--- a/hackathon_master.pptx
+++ b/hackathon_master.pptx
@@ -120,6 +120,11 @@
       </a:defRPr>
     </a:lvl9pPr>
   </p:defaultTextStyle>
+  <p:extLst>
+    <p:ext uri="{EFAFB233-063F-42B5-8137-9DF3F51BA10A}">
+      <p15:sldGuideLst xmlns:p15="http://schemas.microsoft.com/office/powerpoint/2012/main"/>
+    </p:ext>
+  </p:extLst>
 </p:presentation>
 </file>
 
@@ -270,7 +275,7 @@
           <a:p>
             <a:fld id="{CD997778-959A-4FB8-9773-4D715FC7167E}" type="datetimeFigureOut">
               <a:rPr lang="en-US" smtClean="0"/>
-              <a:t>21-Jun-18</a:t>
+              <a:t>25-Jun-18</a:t>
             </a:fld>
             <a:endParaRPr lang="en-US"/>
           </a:p>
@@ -513,7 +518,7 @@
           <a:p>
             <a:fld id="{CD997778-959A-4FB8-9773-4D715FC7167E}" type="datetimeFigureOut">
               <a:rPr lang="en-US" smtClean="0"/>
-              <a:t>21-Jun-18</a:t>
+              <a:t>25-Jun-18</a:t>
             </a:fld>
             <a:endParaRPr lang="en-US"/>
           </a:p>
@@ -721,7 +726,7 @@
           <a:p>
             <a:fld id="{CD997778-959A-4FB8-9773-4D715FC7167E}" type="datetimeFigureOut">
               <a:rPr lang="en-US" smtClean="0"/>
-              <a:t>21-Jun-18</a:t>
+              <a:t>25-Jun-18</a:t>
             </a:fld>
             <a:endParaRPr lang="en-US"/>
           </a:p>
@@ -952,7 +957,7 @@
           <a:p>
             <a:fld id="{CD997778-959A-4FB8-9773-4D715FC7167E}" type="datetimeFigureOut">
               <a:rPr lang="en-US" smtClean="0"/>
-              <a:t>21-Jun-18</a:t>
+              <a:t>25-Jun-18</a:t>
             </a:fld>
             <a:endParaRPr lang="en-US"/>
           </a:p>
@@ -1313,7 +1318,7 @@
           <a:p>
             <a:fld id="{CD997778-959A-4FB8-9773-4D715FC7167E}" type="datetimeFigureOut">
               <a:rPr lang="en-US" smtClean="0"/>
-              <a:t>21-Jun-18</a:t>
+              <a:t>25-Jun-18</a:t>
             </a:fld>
             <a:endParaRPr lang="en-US"/>
           </a:p>
@@ -1636,7 +1641,7 @@
           <a:p>
             <a:fld id="{CD997778-959A-4FB8-9773-4D715FC7167E}" type="datetimeFigureOut">
               <a:rPr lang="en-US" smtClean="0"/>
-              <a:t>21-Jun-18</a:t>
+              <a:t>25-Jun-18</a:t>
             </a:fld>
             <a:endParaRPr lang="en-US"/>
           </a:p>
@@ -2048,7 +2053,7 @@
           <a:p>
             <a:fld id="{CD997778-959A-4FB8-9773-4D715FC7167E}" type="datetimeFigureOut">
               <a:rPr lang="en-US" smtClean="0"/>
-              <a:t>21-Jun-18</a:t>
+              <a:t>25-Jun-18</a:t>
             </a:fld>
             <a:endParaRPr lang="en-US"/>
           </a:p>
@@ -2196,7 +2201,7 @@
           <a:p>
             <a:fld id="{CD997778-959A-4FB8-9773-4D715FC7167E}" type="datetimeFigureOut">
               <a:rPr lang="en-US" smtClean="0"/>
-              <a:t>21-Jun-18</a:t>
+              <a:t>25-Jun-18</a:t>
             </a:fld>
             <a:endParaRPr lang="en-US"/>
           </a:p>
@@ -2309,7 +2314,7 @@
           <a:p>
             <a:fld id="{CD997778-959A-4FB8-9773-4D715FC7167E}" type="datetimeFigureOut">
               <a:rPr lang="en-US" smtClean="0"/>
-              <a:t>21-Jun-18</a:t>
+              <a:t>25-Jun-18</a:t>
             </a:fld>
             <a:endParaRPr lang="en-US"/>
           </a:p>
@@ -2620,7 +2625,7 @@
           <a:p>
             <a:fld id="{CD997778-959A-4FB8-9773-4D715FC7167E}" type="datetimeFigureOut">
               <a:rPr lang="en-US" smtClean="0"/>
-              <a:t>21-Jun-18</a:t>
+              <a:t>25-Jun-18</a:t>
             </a:fld>
             <a:endParaRPr lang="en-US"/>
           </a:p>
@@ -2908,7 +2913,7 @@
           <a:p>
             <a:fld id="{CD997778-959A-4FB8-9773-4D715FC7167E}" type="datetimeFigureOut">
               <a:rPr lang="en-US" smtClean="0"/>
-              <a:t>21-Jun-18</a:t>
+              <a:t>25-Jun-18</a:t>
             </a:fld>
             <a:endParaRPr lang="en-US"/>
           </a:p>
@@ -3149,7 +3154,7 @@
           <a:p>
             <a:fld id="{CD997778-959A-4FB8-9773-4D715FC7167E}" type="datetimeFigureOut">
               <a:rPr lang="en-US" smtClean="0"/>
-              <a:t>21-Jun-18</a:t>
+              <a:t>25-Jun-18</a:t>
             </a:fld>
             <a:endParaRPr lang="en-US"/>
           </a:p>
@@ -4044,7 +4049,7 @@
         </p:nvSpPr>
         <p:spPr>
           <a:xfrm>
-            <a:off x="838200" y="2765344"/>
+            <a:off x="611957" y="2595662"/>
             <a:ext cx="10515600" cy="4351338"/>
           </a:xfrm>
         </p:spPr>
@@ -5019,7 +5024,7 @@
             </a:pPr>
             <a:r>
               <a:rPr lang="en-US" dirty="0"/>
-              <a:t>The components of production-quality scripts include:</a:t>
+              <a:t>Features of production-quality code include:</a:t>
             </a:r>
           </a:p>
           <a:p>
@@ -5052,7 +5057,7 @@
             <a:pPr lvl="1"/>
             <a:r>
               <a:rPr lang="en-US" dirty="0"/>
-              <a:t>Online version control </a:t>
+              <a:t>Online version control</a:t>
             </a:r>
           </a:p>
           <a:p>
@@ -5767,7 +5772,7 @@
           <a:p>
             <a:r>
               <a:rPr lang="en-US" dirty="0"/>
-              <a:t>Create a presentation.</a:t>
+              <a:t>[For this hackathon] Create a presentation.</a:t>
             </a:r>
           </a:p>
           <a:p>
@@ -5902,7 +5907,7 @@
           <a:p>
             <a:r>
               <a:rPr lang="en-US" dirty="0"/>
-              <a:t>Feel free to add code snippets, images and videos of your project.</a:t>
+              <a:t>Feel free to add code snippets, images and videos of your project in action.</a:t>
             </a:r>
           </a:p>
           <a:p>
@@ -6489,7 +6494,7 @@
                 <a:latin typeface="Consolas" panose="020B0609020204030204" pitchFamily="49" charset="0"/>
                 <a:ea typeface="Cambria" panose="02040503050406030204" pitchFamily="18" charset="0"/>
               </a:rPr>
-              <a:t>Link to repository</a:t>
+              <a:t>[Link to repository]</a:t>
             </a:r>
           </a:p>
         </p:txBody>

--- a/hackathon_master.pptx
+++ b/hackathon_master.pptx
@@ -275,7 +275,7 @@
           <a:p>
             <a:fld id="{CD997778-959A-4FB8-9773-4D715FC7167E}" type="datetimeFigureOut">
               <a:rPr lang="en-US" smtClean="0"/>
-              <a:t>25-Jun-18</a:t>
+              <a:t>27-Jun-18</a:t>
             </a:fld>
             <a:endParaRPr lang="en-US"/>
           </a:p>
@@ -518,7 +518,7 @@
           <a:p>
             <a:fld id="{CD997778-959A-4FB8-9773-4D715FC7167E}" type="datetimeFigureOut">
               <a:rPr lang="en-US" smtClean="0"/>
-              <a:t>25-Jun-18</a:t>
+              <a:t>27-Jun-18</a:t>
             </a:fld>
             <a:endParaRPr lang="en-US"/>
           </a:p>
@@ -726,7 +726,7 @@
           <a:p>
             <a:fld id="{CD997778-959A-4FB8-9773-4D715FC7167E}" type="datetimeFigureOut">
               <a:rPr lang="en-US" smtClean="0"/>
-              <a:t>25-Jun-18</a:t>
+              <a:t>27-Jun-18</a:t>
             </a:fld>
             <a:endParaRPr lang="en-US"/>
           </a:p>
@@ -957,7 +957,7 @@
           <a:p>
             <a:fld id="{CD997778-959A-4FB8-9773-4D715FC7167E}" type="datetimeFigureOut">
               <a:rPr lang="en-US" smtClean="0"/>
-              <a:t>25-Jun-18</a:t>
+              <a:t>27-Jun-18</a:t>
             </a:fld>
             <a:endParaRPr lang="en-US"/>
           </a:p>
@@ -1318,7 +1318,7 @@
           <a:p>
             <a:fld id="{CD997778-959A-4FB8-9773-4D715FC7167E}" type="datetimeFigureOut">
               <a:rPr lang="en-US" smtClean="0"/>
-              <a:t>25-Jun-18</a:t>
+              <a:t>27-Jun-18</a:t>
             </a:fld>
             <a:endParaRPr lang="en-US"/>
           </a:p>
@@ -1641,7 +1641,7 @@
           <a:p>
             <a:fld id="{CD997778-959A-4FB8-9773-4D715FC7167E}" type="datetimeFigureOut">
               <a:rPr lang="en-US" smtClean="0"/>
-              <a:t>25-Jun-18</a:t>
+              <a:t>27-Jun-18</a:t>
             </a:fld>
             <a:endParaRPr lang="en-US"/>
           </a:p>
@@ -2053,7 +2053,7 @@
           <a:p>
             <a:fld id="{CD997778-959A-4FB8-9773-4D715FC7167E}" type="datetimeFigureOut">
               <a:rPr lang="en-US" smtClean="0"/>
-              <a:t>25-Jun-18</a:t>
+              <a:t>27-Jun-18</a:t>
             </a:fld>
             <a:endParaRPr lang="en-US"/>
           </a:p>
@@ -2201,7 +2201,7 @@
           <a:p>
             <a:fld id="{CD997778-959A-4FB8-9773-4D715FC7167E}" type="datetimeFigureOut">
               <a:rPr lang="en-US" smtClean="0"/>
-              <a:t>25-Jun-18</a:t>
+              <a:t>27-Jun-18</a:t>
             </a:fld>
             <a:endParaRPr lang="en-US"/>
           </a:p>
@@ -2314,7 +2314,7 @@
           <a:p>
             <a:fld id="{CD997778-959A-4FB8-9773-4D715FC7167E}" type="datetimeFigureOut">
               <a:rPr lang="en-US" smtClean="0"/>
-              <a:t>25-Jun-18</a:t>
+              <a:t>27-Jun-18</a:t>
             </a:fld>
             <a:endParaRPr lang="en-US"/>
           </a:p>
@@ -2625,7 +2625,7 @@
           <a:p>
             <a:fld id="{CD997778-959A-4FB8-9773-4D715FC7167E}" type="datetimeFigureOut">
               <a:rPr lang="en-US" smtClean="0"/>
-              <a:t>25-Jun-18</a:t>
+              <a:t>27-Jun-18</a:t>
             </a:fld>
             <a:endParaRPr lang="en-US"/>
           </a:p>
@@ -2913,7 +2913,7 @@
           <a:p>
             <a:fld id="{CD997778-959A-4FB8-9773-4D715FC7167E}" type="datetimeFigureOut">
               <a:rPr lang="en-US" smtClean="0"/>
-              <a:t>25-Jun-18</a:t>
+              <a:t>27-Jun-18</a:t>
             </a:fld>
             <a:endParaRPr lang="en-US"/>
           </a:p>
@@ -3154,7 +3154,7 @@
           <a:p>
             <a:fld id="{CD997778-959A-4FB8-9773-4D715FC7167E}" type="datetimeFigureOut">
               <a:rPr lang="en-US" smtClean="0"/>
-              <a:t>25-Jun-18</a:t>
+              <a:t>27-Jun-18</a:t>
             </a:fld>
             <a:endParaRPr lang="en-US"/>
           </a:p>
@@ -4948,6 +4948,161 @@
   <p:clrMapOvr>
     <a:masterClrMapping/>
   </p:clrMapOvr>
+  <p:timing>
+    <p:tnLst>
+      <p:par>
+        <p:cTn id="1" dur="indefinite" restart="never" nodeType="tmRoot">
+          <p:childTnLst>
+            <p:seq concurrent="1" nextAc="seek">
+              <p:cTn id="2" dur="indefinite" nodeType="mainSeq">
+                <p:childTnLst>
+                  <p:par>
+                    <p:cTn id="3" fill="hold">
+                      <p:stCondLst>
+                        <p:cond delay="indefinite"/>
+                      </p:stCondLst>
+                      <p:childTnLst>
+                        <p:par>
+                          <p:cTn id="4" fill="hold">
+                            <p:stCondLst>
+                              <p:cond delay="0"/>
+                            </p:stCondLst>
+                            <p:childTnLst>
+                              <p:par>
+                                <p:cTn id="5" presetID="10" presetClass="entr" presetSubtype="0" fill="hold" grpId="0" nodeType="clickEffect">
+                                  <p:stCondLst>
+                                    <p:cond delay="0"/>
+                                  </p:stCondLst>
+                                  <p:childTnLst>
+                                    <p:set>
+                                      <p:cBhvr>
+                                        <p:cTn id="6" dur="1" fill="hold">
+                                          <p:stCondLst>
+                                            <p:cond delay="0"/>
+                                          </p:stCondLst>
+                                        </p:cTn>
+                                        <p:tgtEl>
+                                          <p:spTgt spid="3">
+                                            <p:txEl>
+                                              <p:pRg st="0" end="0"/>
+                                            </p:txEl>
+                                          </p:spTgt>
+                                        </p:tgtEl>
+                                        <p:attrNameLst>
+                                          <p:attrName>style.visibility</p:attrName>
+                                        </p:attrNameLst>
+                                      </p:cBhvr>
+                                      <p:to>
+                                        <p:strVal val="visible"/>
+                                      </p:to>
+                                    </p:set>
+                                    <p:animEffect transition="in" filter="fade">
+                                      <p:cBhvr>
+                                        <p:cTn id="7" dur="500"/>
+                                        <p:tgtEl>
+                                          <p:spTgt spid="3">
+                                            <p:txEl>
+                                              <p:pRg st="0" end="0"/>
+                                            </p:txEl>
+                                          </p:spTgt>
+                                        </p:tgtEl>
+                                      </p:cBhvr>
+                                    </p:animEffect>
+                                  </p:childTnLst>
+                                </p:cTn>
+                              </p:par>
+                            </p:childTnLst>
+                          </p:cTn>
+                        </p:par>
+                      </p:childTnLst>
+                    </p:cTn>
+                  </p:par>
+                  <p:par>
+                    <p:cTn id="8" fill="hold">
+                      <p:stCondLst>
+                        <p:cond delay="indefinite"/>
+                      </p:stCondLst>
+                      <p:childTnLst>
+                        <p:par>
+                          <p:cTn id="9" fill="hold">
+                            <p:stCondLst>
+                              <p:cond delay="0"/>
+                            </p:stCondLst>
+                            <p:childTnLst>
+                              <p:par>
+                                <p:cTn id="10" presetID="10" presetClass="entr" presetSubtype="0" fill="hold" grpId="0" nodeType="clickEffect">
+                                  <p:stCondLst>
+                                    <p:cond delay="0"/>
+                                  </p:stCondLst>
+                                  <p:childTnLst>
+                                    <p:set>
+                                      <p:cBhvr>
+                                        <p:cTn id="11" dur="1" fill="hold">
+                                          <p:stCondLst>
+                                            <p:cond delay="0"/>
+                                          </p:stCondLst>
+                                        </p:cTn>
+                                        <p:tgtEl>
+                                          <p:spTgt spid="3">
+                                            <p:txEl>
+                                              <p:pRg st="2" end="2"/>
+                                            </p:txEl>
+                                          </p:spTgt>
+                                        </p:tgtEl>
+                                        <p:attrNameLst>
+                                          <p:attrName>style.visibility</p:attrName>
+                                        </p:attrNameLst>
+                                      </p:cBhvr>
+                                      <p:to>
+                                        <p:strVal val="visible"/>
+                                      </p:to>
+                                    </p:set>
+                                    <p:animEffect transition="in" filter="fade">
+                                      <p:cBhvr>
+                                        <p:cTn id="12" dur="500"/>
+                                        <p:tgtEl>
+                                          <p:spTgt spid="3">
+                                            <p:txEl>
+                                              <p:pRg st="2" end="2"/>
+                                            </p:txEl>
+                                          </p:spTgt>
+                                        </p:tgtEl>
+                                      </p:cBhvr>
+                                    </p:animEffect>
+                                  </p:childTnLst>
+                                </p:cTn>
+                              </p:par>
+                            </p:childTnLst>
+                          </p:cTn>
+                        </p:par>
+                      </p:childTnLst>
+                    </p:cTn>
+                  </p:par>
+                </p:childTnLst>
+              </p:cTn>
+              <p:prevCondLst>
+                <p:cond evt="onPrev" delay="0">
+                  <p:tgtEl>
+                    <p:sldTgt/>
+                  </p:tgtEl>
+                </p:cond>
+              </p:prevCondLst>
+              <p:nextCondLst>
+                <p:cond evt="onNext" delay="0">
+                  <p:tgtEl>
+                    <p:sldTgt/>
+                  </p:tgtEl>
+                </p:cond>
+              </p:nextCondLst>
+            </p:seq>
+          </p:childTnLst>
+        </p:cTn>
+      </p:par>
+    </p:tnLst>
+    <p:bldLst>
+      <p:bldP spid="3" grpId="0" build="p"/>
+    </p:bldLst>
+  </p:timing>
 </p:sld>
 </file>
 
@@ -5116,6 +5271,412 @@
   <p:clrMapOvr>
     <a:masterClrMapping/>
   </p:clrMapOvr>
+  <p:timing>
+    <p:tnLst>
+      <p:par>
+        <p:cTn id="1" dur="indefinite" restart="never" nodeType="tmRoot">
+          <p:childTnLst>
+            <p:seq concurrent="1" nextAc="seek">
+              <p:cTn id="2" dur="indefinite" nodeType="mainSeq">
+                <p:childTnLst>
+                  <p:par>
+                    <p:cTn id="3" fill="hold">
+                      <p:stCondLst>
+                        <p:cond delay="indefinite"/>
+                      </p:stCondLst>
+                      <p:childTnLst>
+                        <p:par>
+                          <p:cTn id="4" fill="hold">
+                            <p:stCondLst>
+                              <p:cond delay="0"/>
+                            </p:stCondLst>
+                            <p:childTnLst>
+                              <p:par>
+                                <p:cTn id="5" presetID="10" presetClass="entr" presetSubtype="0" fill="hold" grpId="0" nodeType="clickEffect">
+                                  <p:stCondLst>
+                                    <p:cond delay="0"/>
+                                  </p:stCondLst>
+                                  <p:childTnLst>
+                                    <p:set>
+                                      <p:cBhvr>
+                                        <p:cTn id="6" dur="1" fill="hold">
+                                          <p:stCondLst>
+                                            <p:cond delay="0"/>
+                                          </p:stCondLst>
+                                        </p:cTn>
+                                        <p:tgtEl>
+                                          <p:spTgt spid="3">
+                                            <p:txEl>
+                                              <p:pRg st="0" end="0"/>
+                                            </p:txEl>
+                                          </p:spTgt>
+                                        </p:tgtEl>
+                                        <p:attrNameLst>
+                                          <p:attrName>style.visibility</p:attrName>
+                                        </p:attrNameLst>
+                                      </p:cBhvr>
+                                      <p:to>
+                                        <p:strVal val="visible"/>
+                                      </p:to>
+                                    </p:set>
+                                    <p:animEffect transition="in" filter="fade">
+                                      <p:cBhvr>
+                                        <p:cTn id="7" dur="500"/>
+                                        <p:tgtEl>
+                                          <p:spTgt spid="3">
+                                            <p:txEl>
+                                              <p:pRg st="0" end="0"/>
+                                            </p:txEl>
+                                          </p:spTgt>
+                                        </p:tgtEl>
+                                      </p:cBhvr>
+                                    </p:animEffect>
+                                  </p:childTnLst>
+                                </p:cTn>
+                              </p:par>
+                            </p:childTnLst>
+                          </p:cTn>
+                        </p:par>
+                      </p:childTnLst>
+                    </p:cTn>
+                  </p:par>
+                  <p:par>
+                    <p:cTn id="8" fill="hold">
+                      <p:stCondLst>
+                        <p:cond delay="indefinite"/>
+                      </p:stCondLst>
+                      <p:childTnLst>
+                        <p:par>
+                          <p:cTn id="9" fill="hold">
+                            <p:stCondLst>
+                              <p:cond delay="0"/>
+                            </p:stCondLst>
+                            <p:childTnLst>
+                              <p:par>
+                                <p:cTn id="10" presetID="10" presetClass="entr" presetSubtype="0" fill="hold" grpId="0" nodeType="clickEffect">
+                                  <p:stCondLst>
+                                    <p:cond delay="0"/>
+                                  </p:stCondLst>
+                                  <p:childTnLst>
+                                    <p:set>
+                                      <p:cBhvr>
+                                        <p:cTn id="11" dur="1" fill="hold">
+                                          <p:stCondLst>
+                                            <p:cond delay="0"/>
+                                          </p:stCondLst>
+                                        </p:cTn>
+                                        <p:tgtEl>
+                                          <p:spTgt spid="3">
+                                            <p:txEl>
+                                              <p:pRg st="2" end="2"/>
+                                            </p:txEl>
+                                          </p:spTgt>
+                                        </p:tgtEl>
+                                        <p:attrNameLst>
+                                          <p:attrName>style.visibility</p:attrName>
+                                        </p:attrNameLst>
+                                      </p:cBhvr>
+                                      <p:to>
+                                        <p:strVal val="visible"/>
+                                      </p:to>
+                                    </p:set>
+                                    <p:animEffect transition="in" filter="fade">
+                                      <p:cBhvr>
+                                        <p:cTn id="12" dur="500"/>
+                                        <p:tgtEl>
+                                          <p:spTgt spid="3">
+                                            <p:txEl>
+                                              <p:pRg st="2" end="2"/>
+                                            </p:txEl>
+                                          </p:spTgt>
+                                        </p:tgtEl>
+                                      </p:cBhvr>
+                                    </p:animEffect>
+                                  </p:childTnLst>
+                                </p:cTn>
+                              </p:par>
+                              <p:par>
+                                <p:cTn id="13" presetID="10" presetClass="entr" presetSubtype="0" fill="hold" grpId="0" nodeType="withEffect">
+                                  <p:stCondLst>
+                                    <p:cond delay="0"/>
+                                  </p:stCondLst>
+                                  <p:childTnLst>
+                                    <p:set>
+                                      <p:cBhvr>
+                                        <p:cTn id="14" dur="1" fill="hold">
+                                          <p:stCondLst>
+                                            <p:cond delay="0"/>
+                                          </p:stCondLst>
+                                        </p:cTn>
+                                        <p:tgtEl>
+                                          <p:spTgt spid="3">
+                                            <p:txEl>
+                                              <p:pRg st="3" end="3"/>
+                                            </p:txEl>
+                                          </p:spTgt>
+                                        </p:tgtEl>
+                                        <p:attrNameLst>
+                                          <p:attrName>style.visibility</p:attrName>
+                                        </p:attrNameLst>
+                                      </p:cBhvr>
+                                      <p:to>
+                                        <p:strVal val="visible"/>
+                                      </p:to>
+                                    </p:set>
+                                    <p:animEffect transition="in" filter="fade">
+                                      <p:cBhvr>
+                                        <p:cTn id="15" dur="500"/>
+                                        <p:tgtEl>
+                                          <p:spTgt spid="3">
+                                            <p:txEl>
+                                              <p:pRg st="3" end="3"/>
+                                            </p:txEl>
+                                          </p:spTgt>
+                                        </p:tgtEl>
+                                      </p:cBhvr>
+                                    </p:animEffect>
+                                  </p:childTnLst>
+                                </p:cTn>
+                              </p:par>
+                            </p:childTnLst>
+                          </p:cTn>
+                        </p:par>
+                      </p:childTnLst>
+                    </p:cTn>
+                  </p:par>
+                  <p:par>
+                    <p:cTn id="16" fill="hold">
+                      <p:stCondLst>
+                        <p:cond delay="indefinite"/>
+                      </p:stCondLst>
+                      <p:childTnLst>
+                        <p:par>
+                          <p:cTn id="17" fill="hold">
+                            <p:stCondLst>
+                              <p:cond delay="0"/>
+                            </p:stCondLst>
+                            <p:childTnLst>
+                              <p:par>
+                                <p:cTn id="18" presetID="10" presetClass="entr" presetSubtype="0" fill="hold" grpId="0" nodeType="clickEffect">
+                                  <p:stCondLst>
+                                    <p:cond delay="0"/>
+                                  </p:stCondLst>
+                                  <p:childTnLst>
+                                    <p:set>
+                                      <p:cBhvr>
+                                        <p:cTn id="19" dur="1" fill="hold">
+                                          <p:stCondLst>
+                                            <p:cond delay="0"/>
+                                          </p:stCondLst>
+                                        </p:cTn>
+                                        <p:tgtEl>
+                                          <p:spTgt spid="3">
+                                            <p:txEl>
+                                              <p:pRg st="5" end="5"/>
+                                            </p:txEl>
+                                          </p:spTgt>
+                                        </p:tgtEl>
+                                        <p:attrNameLst>
+                                          <p:attrName>style.visibility</p:attrName>
+                                        </p:attrNameLst>
+                                      </p:cBhvr>
+                                      <p:to>
+                                        <p:strVal val="visible"/>
+                                      </p:to>
+                                    </p:set>
+                                    <p:animEffect transition="in" filter="fade">
+                                      <p:cBhvr>
+                                        <p:cTn id="20" dur="500"/>
+                                        <p:tgtEl>
+                                          <p:spTgt spid="3">
+                                            <p:txEl>
+                                              <p:pRg st="5" end="5"/>
+                                            </p:txEl>
+                                          </p:spTgt>
+                                        </p:tgtEl>
+                                      </p:cBhvr>
+                                    </p:animEffect>
+                                  </p:childTnLst>
+                                </p:cTn>
+                              </p:par>
+                              <p:par>
+                                <p:cTn id="21" presetID="10" presetClass="entr" presetSubtype="0" fill="hold" grpId="0" nodeType="withEffect">
+                                  <p:stCondLst>
+                                    <p:cond delay="0"/>
+                                  </p:stCondLst>
+                                  <p:childTnLst>
+                                    <p:set>
+                                      <p:cBhvr>
+                                        <p:cTn id="22" dur="1" fill="hold">
+                                          <p:stCondLst>
+                                            <p:cond delay="0"/>
+                                          </p:stCondLst>
+                                        </p:cTn>
+                                        <p:tgtEl>
+                                          <p:spTgt spid="3">
+                                            <p:txEl>
+                                              <p:pRg st="6" end="6"/>
+                                            </p:txEl>
+                                          </p:spTgt>
+                                        </p:tgtEl>
+                                        <p:attrNameLst>
+                                          <p:attrName>style.visibility</p:attrName>
+                                        </p:attrNameLst>
+                                      </p:cBhvr>
+                                      <p:to>
+                                        <p:strVal val="visible"/>
+                                      </p:to>
+                                    </p:set>
+                                    <p:animEffect transition="in" filter="fade">
+                                      <p:cBhvr>
+                                        <p:cTn id="23" dur="500"/>
+                                        <p:tgtEl>
+                                          <p:spTgt spid="3">
+                                            <p:txEl>
+                                              <p:pRg st="6" end="6"/>
+                                            </p:txEl>
+                                          </p:spTgt>
+                                        </p:tgtEl>
+                                      </p:cBhvr>
+                                    </p:animEffect>
+                                  </p:childTnLst>
+                                </p:cTn>
+                              </p:par>
+                            </p:childTnLst>
+                          </p:cTn>
+                        </p:par>
+                      </p:childTnLst>
+                    </p:cTn>
+                  </p:par>
+                  <p:par>
+                    <p:cTn id="24" fill="hold">
+                      <p:stCondLst>
+                        <p:cond delay="indefinite"/>
+                      </p:stCondLst>
+                      <p:childTnLst>
+                        <p:par>
+                          <p:cTn id="25" fill="hold">
+                            <p:stCondLst>
+                              <p:cond delay="0"/>
+                            </p:stCondLst>
+                            <p:childTnLst>
+                              <p:par>
+                                <p:cTn id="26" presetID="10" presetClass="entr" presetSubtype="0" fill="hold" grpId="0" nodeType="clickEffect">
+                                  <p:stCondLst>
+                                    <p:cond delay="0"/>
+                                  </p:stCondLst>
+                                  <p:childTnLst>
+                                    <p:set>
+                                      <p:cBhvr>
+                                        <p:cTn id="27" dur="1" fill="hold">
+                                          <p:stCondLst>
+                                            <p:cond delay="0"/>
+                                          </p:stCondLst>
+                                        </p:cTn>
+                                        <p:tgtEl>
+                                          <p:spTgt spid="3">
+                                            <p:txEl>
+                                              <p:pRg st="8" end="8"/>
+                                            </p:txEl>
+                                          </p:spTgt>
+                                        </p:tgtEl>
+                                        <p:attrNameLst>
+                                          <p:attrName>style.visibility</p:attrName>
+                                        </p:attrNameLst>
+                                      </p:cBhvr>
+                                      <p:to>
+                                        <p:strVal val="visible"/>
+                                      </p:to>
+                                    </p:set>
+                                    <p:animEffect transition="in" filter="fade">
+                                      <p:cBhvr>
+                                        <p:cTn id="28" dur="500"/>
+                                        <p:tgtEl>
+                                          <p:spTgt spid="3">
+                                            <p:txEl>
+                                              <p:pRg st="8" end="8"/>
+                                            </p:txEl>
+                                          </p:spTgt>
+                                        </p:tgtEl>
+                                      </p:cBhvr>
+                                    </p:animEffect>
+                                  </p:childTnLst>
+                                </p:cTn>
+                              </p:par>
+                              <p:par>
+                                <p:cTn id="29" presetID="10" presetClass="entr" presetSubtype="0" fill="hold" grpId="0" nodeType="withEffect">
+                                  <p:stCondLst>
+                                    <p:cond delay="0"/>
+                                  </p:stCondLst>
+                                  <p:childTnLst>
+                                    <p:set>
+                                      <p:cBhvr>
+                                        <p:cTn id="30" dur="1" fill="hold">
+                                          <p:stCondLst>
+                                            <p:cond delay="0"/>
+                                          </p:stCondLst>
+                                        </p:cTn>
+                                        <p:tgtEl>
+                                          <p:spTgt spid="3">
+                                            <p:txEl>
+                                              <p:pRg st="9" end="9"/>
+                                            </p:txEl>
+                                          </p:spTgt>
+                                        </p:tgtEl>
+                                        <p:attrNameLst>
+                                          <p:attrName>style.visibility</p:attrName>
+                                        </p:attrNameLst>
+                                      </p:cBhvr>
+                                      <p:to>
+                                        <p:strVal val="visible"/>
+                                      </p:to>
+                                    </p:set>
+                                    <p:animEffect transition="in" filter="fade">
+                                      <p:cBhvr>
+                                        <p:cTn id="31" dur="500"/>
+                                        <p:tgtEl>
+                                          <p:spTgt spid="3">
+                                            <p:txEl>
+                                              <p:pRg st="9" end="9"/>
+                                            </p:txEl>
+                                          </p:spTgt>
+                                        </p:tgtEl>
+                                      </p:cBhvr>
+                                    </p:animEffect>
+                                  </p:childTnLst>
+                                </p:cTn>
+                              </p:par>
+                            </p:childTnLst>
+                          </p:cTn>
+                        </p:par>
+                      </p:childTnLst>
+                    </p:cTn>
+                  </p:par>
+                </p:childTnLst>
+              </p:cTn>
+              <p:prevCondLst>
+                <p:cond evt="onPrev" delay="0">
+                  <p:tgtEl>
+                    <p:sldTgt/>
+                  </p:tgtEl>
+                </p:cond>
+              </p:prevCondLst>
+              <p:nextCondLst>
+                <p:cond evt="onNext" delay="0">
+                  <p:tgtEl>
+                    <p:sldTgt/>
+                  </p:tgtEl>
+                </p:cond>
+              </p:nextCondLst>
+            </p:seq>
+          </p:childTnLst>
+        </p:cTn>
+      </p:par>
+    </p:tnLst>
+    <p:bldLst>
+      <p:bldP spid="3" grpId="0" uiExpand="1" build="p"/>
+    </p:bldLst>
+  </p:timing>
 </p:sld>
 </file>
 
